--- a/Julia Calhau/Bancos de Dados/Aula 3/MER e DER e Relacionamentos .pptx
+++ b/Julia Calhau/Bancos de Dados/Aula 3/MER e DER e Relacionamentos .pptx
@@ -15,13 +15,15 @@
     <p:sldId id="270" r:id="rId9"/>
     <p:sldId id="271" r:id="rId10"/>
     <p:sldId id="272" r:id="rId11"/>
-    <p:sldId id="262" r:id="rId12"/>
-    <p:sldId id="268" r:id="rId13"/>
-    <p:sldId id="263" r:id="rId14"/>
-    <p:sldId id="264" r:id="rId15"/>
-    <p:sldId id="267" r:id="rId16"/>
-    <p:sldId id="265" r:id="rId17"/>
-    <p:sldId id="266" r:id="rId18"/>
+    <p:sldId id="273" r:id="rId12"/>
+    <p:sldId id="274" r:id="rId13"/>
+    <p:sldId id="262" r:id="rId14"/>
+    <p:sldId id="268" r:id="rId15"/>
+    <p:sldId id="263" r:id="rId16"/>
+    <p:sldId id="264" r:id="rId17"/>
+    <p:sldId id="267" r:id="rId18"/>
+    <p:sldId id="265" r:id="rId19"/>
+    <p:sldId id="266" r:id="rId20"/>
   </p:sldIdLst>
   <p:sldSz cx="12192000" cy="6858000"/>
   <p:notesSz cx="6858000" cy="9144000"/>
@@ -120,6 +122,11 @@
       </a:defRPr>
     </a:lvl9pPr>
   </p:defaultTextStyle>
+  <p:extLst>
+    <p:ext uri="{EFAFB233-063F-42B5-8137-9DF3F51BA10A}">
+      <p15:sldGuideLst xmlns:p15="http://schemas.microsoft.com/office/powerpoint/2012/main"/>
+    </p:ext>
+  </p:extLst>
 </p:presentation>
 </file>
 
@@ -180,7 +187,7 @@
           <a:noFill/>
           <a:extLst>
             <a:ext uri="{909E8E84-426E-40dd-AFC4-6F175D3DCCD1}">
-              <a14:hiddenFill xmlns:a14="http://schemas.microsoft.com/office/drawing/2010/main" xmlns="">
+              <a14:hiddenFill xmlns="" xmlns:a14="http://schemas.microsoft.com/office/drawing/2010/main">
                 <a:solidFill>
                   <a:srgbClr val="FFFFFF"/>
                 </a:solidFill>
@@ -239,7 +246,7 @@
             </a:ln>
             <a:extLst>
               <a:ext uri="{91240B29-F687-4f45-9708-019B960494DF}">
-                <a14:hiddenLine xmlns:a14="http://schemas.microsoft.com/office/drawing/2010/main" xmlns="" w="9525">
+                <a14:hiddenLine xmlns="" xmlns:a14="http://schemas.microsoft.com/office/drawing/2010/main" w="9525">
                   <a:solidFill>
                     <a:srgbClr val="000000"/>
                   </a:solidFill>
@@ -329,7 +336,7 @@
             </a:ln>
             <a:extLst>
               <a:ext uri="{91240B29-F687-4f45-9708-019B960494DF}">
-                <a14:hiddenLine xmlns:a14="http://schemas.microsoft.com/office/drawing/2010/main" xmlns="" w="9525">
+                <a14:hiddenLine xmlns="" xmlns:a14="http://schemas.microsoft.com/office/drawing/2010/main" w="9525">
                   <a:solidFill>
                     <a:srgbClr val="000000"/>
                   </a:solidFill>
@@ -419,7 +426,7 @@
             </a:ln>
             <a:extLst>
               <a:ext uri="{91240B29-F687-4f45-9708-019B960494DF}">
-                <a14:hiddenLine xmlns:a14="http://schemas.microsoft.com/office/drawing/2010/main" xmlns="" w="9525">
+                <a14:hiddenLine xmlns="" xmlns:a14="http://schemas.microsoft.com/office/drawing/2010/main" w="9525">
                   <a:solidFill>
                     <a:srgbClr val="000000"/>
                   </a:solidFill>
@@ -453,7 +460,7 @@
             </a:ln>
             <a:extLst>
               <a:ext uri="{91240B29-F687-4f45-9708-019B960494DF}">
-                <a14:hiddenLine xmlns:a14="http://schemas.microsoft.com/office/drawing/2010/main" xmlns="" w="9525">
+                <a14:hiddenLine xmlns="" xmlns:a14="http://schemas.microsoft.com/office/drawing/2010/main" w="9525">
                   <a:solidFill>
                     <a:srgbClr val="000000"/>
                   </a:solidFill>
@@ -543,7 +550,7 @@
             </a:ln>
             <a:extLst>
               <a:ext uri="{91240B29-F687-4f45-9708-019B960494DF}">
-                <a14:hiddenLine xmlns:a14="http://schemas.microsoft.com/office/drawing/2010/main" xmlns="" w="9525">
+                <a14:hiddenLine xmlns="" xmlns:a14="http://schemas.microsoft.com/office/drawing/2010/main" w="9525">
                   <a:solidFill>
                     <a:srgbClr val="000000"/>
                   </a:solidFill>
@@ -605,7 +612,7 @@
             </a:ln>
             <a:extLst>
               <a:ext uri="{91240B29-F687-4f45-9708-019B960494DF}">
-                <a14:hiddenLine xmlns:a14="http://schemas.microsoft.com/office/drawing/2010/main" xmlns="" w="9525">
+                <a14:hiddenLine xmlns="" xmlns:a14="http://schemas.microsoft.com/office/drawing/2010/main" w="9525">
                   <a:solidFill>
                     <a:srgbClr val="000000"/>
                   </a:solidFill>
@@ -667,7 +674,7 @@
             </a:ln>
             <a:extLst>
               <a:ext uri="{91240B29-F687-4f45-9708-019B960494DF}">
-                <a14:hiddenLine xmlns:a14="http://schemas.microsoft.com/office/drawing/2010/main" xmlns="" w="9525">
+                <a14:hiddenLine xmlns="" xmlns:a14="http://schemas.microsoft.com/office/drawing/2010/main" w="9525">
                   <a:solidFill>
                     <a:srgbClr val="000000"/>
                   </a:solidFill>
@@ -757,7 +764,7 @@
             </a:ln>
             <a:extLst>
               <a:ext uri="{91240B29-F687-4f45-9708-019B960494DF}">
-                <a14:hiddenLine xmlns:a14="http://schemas.microsoft.com/office/drawing/2010/main" xmlns="" w="9525">
+                <a14:hiddenLine xmlns="" xmlns:a14="http://schemas.microsoft.com/office/drawing/2010/main" w="9525">
                   <a:solidFill>
                     <a:srgbClr val="000000"/>
                   </a:solidFill>
@@ -819,7 +826,7 @@
             </a:ln>
             <a:extLst>
               <a:ext uri="{91240B29-F687-4f45-9708-019B960494DF}">
-                <a14:hiddenLine xmlns:a14="http://schemas.microsoft.com/office/drawing/2010/main" xmlns="" w="9525">
+                <a14:hiddenLine xmlns="" xmlns:a14="http://schemas.microsoft.com/office/drawing/2010/main" w="9525">
                   <a:solidFill>
                     <a:srgbClr val="000000"/>
                   </a:solidFill>
@@ -881,7 +888,7 @@
             </a:ln>
             <a:extLst>
               <a:ext uri="{91240B29-F687-4f45-9708-019B960494DF}">
-                <a14:hiddenLine xmlns:a14="http://schemas.microsoft.com/office/drawing/2010/main" xmlns="" w="9525">
+                <a14:hiddenLine xmlns="" xmlns:a14="http://schemas.microsoft.com/office/drawing/2010/main" w="9525">
                   <a:solidFill>
                     <a:srgbClr val="000000"/>
                   </a:solidFill>
@@ -971,7 +978,7 @@
             </a:ln>
             <a:extLst>
               <a:ext uri="{91240B29-F687-4f45-9708-019B960494DF}">
-                <a14:hiddenLine xmlns:a14="http://schemas.microsoft.com/office/drawing/2010/main" xmlns="" w="9525">
+                <a14:hiddenLine xmlns="" xmlns:a14="http://schemas.microsoft.com/office/drawing/2010/main" w="9525">
                   <a:solidFill>
                     <a:srgbClr val="000000"/>
                   </a:solidFill>
@@ -1061,7 +1068,7 @@
             </a:ln>
             <a:extLst>
               <a:ext uri="{91240B29-F687-4f45-9708-019B960494DF}">
-                <a14:hiddenLine xmlns:a14="http://schemas.microsoft.com/office/drawing/2010/main" xmlns="" w="9525">
+                <a14:hiddenLine xmlns="" xmlns:a14="http://schemas.microsoft.com/office/drawing/2010/main" w="9525">
                   <a:solidFill>
                     <a:srgbClr val="000000"/>
                   </a:solidFill>
@@ -1123,7 +1130,7 @@
             </a:ln>
             <a:extLst>
               <a:ext uri="{91240B29-F687-4f45-9708-019B960494DF}">
-                <a14:hiddenLine xmlns:a14="http://schemas.microsoft.com/office/drawing/2010/main" xmlns="" w="9525">
+                <a14:hiddenLine xmlns="" xmlns:a14="http://schemas.microsoft.com/office/drawing/2010/main" w="9525">
                   <a:solidFill>
                     <a:srgbClr val="000000"/>
                   </a:solidFill>
@@ -1233,7 +1240,7 @@
             </a:ln>
             <a:extLst>
               <a:ext uri="{91240B29-F687-4f45-9708-019B960494DF}">
-                <a14:hiddenLine xmlns:a14="http://schemas.microsoft.com/office/drawing/2010/main" xmlns="" w="9525">
+                <a14:hiddenLine xmlns="" xmlns:a14="http://schemas.microsoft.com/office/drawing/2010/main" w="9525">
                   <a:solidFill>
                     <a:srgbClr val="000000"/>
                   </a:solidFill>
@@ -1295,7 +1302,7 @@
             </a:ln>
             <a:extLst>
               <a:ext uri="{91240B29-F687-4f45-9708-019B960494DF}">
-                <a14:hiddenLine xmlns:a14="http://schemas.microsoft.com/office/drawing/2010/main" xmlns="" w="9525">
+                <a14:hiddenLine xmlns="" xmlns:a14="http://schemas.microsoft.com/office/drawing/2010/main" w="9525">
                   <a:solidFill>
                     <a:srgbClr val="000000"/>
                   </a:solidFill>
@@ -1385,7 +1392,7 @@
             </a:ln>
             <a:extLst>
               <a:ext uri="{91240B29-F687-4f45-9708-019B960494DF}">
-                <a14:hiddenLine xmlns:a14="http://schemas.microsoft.com/office/drawing/2010/main" xmlns="" w="9525">
+                <a14:hiddenLine xmlns="" xmlns:a14="http://schemas.microsoft.com/office/drawing/2010/main" w="9525">
                   <a:solidFill>
                     <a:srgbClr val="000000"/>
                   </a:solidFill>
@@ -1475,7 +1482,7 @@
             </a:ln>
             <a:extLst>
               <a:ext uri="{91240B29-F687-4f45-9708-019B960494DF}">
-                <a14:hiddenLine xmlns:a14="http://schemas.microsoft.com/office/drawing/2010/main" xmlns="" w="9525">
+                <a14:hiddenLine xmlns="" xmlns:a14="http://schemas.microsoft.com/office/drawing/2010/main" w="9525">
                   <a:solidFill>
                     <a:srgbClr val="000000"/>
                   </a:solidFill>
@@ -1537,7 +1544,7 @@
             </a:ln>
             <a:extLst>
               <a:ext uri="{91240B29-F687-4f45-9708-019B960494DF}">
-                <a14:hiddenLine xmlns:a14="http://schemas.microsoft.com/office/drawing/2010/main" xmlns="" w="9525">
+                <a14:hiddenLine xmlns="" xmlns:a14="http://schemas.microsoft.com/office/drawing/2010/main" w="9525">
                   <a:solidFill>
                     <a:srgbClr val="000000"/>
                   </a:solidFill>
@@ -1627,7 +1634,7 @@
             </a:ln>
             <a:extLst>
               <a:ext uri="{91240B29-F687-4f45-9708-019B960494DF}">
-                <a14:hiddenLine xmlns:a14="http://schemas.microsoft.com/office/drawing/2010/main" xmlns="" w="9525">
+                <a14:hiddenLine xmlns="" xmlns:a14="http://schemas.microsoft.com/office/drawing/2010/main" w="9525">
                   <a:solidFill>
                     <a:srgbClr val="000000"/>
                   </a:solidFill>
@@ -1717,7 +1724,7 @@
             </a:ln>
             <a:extLst>
               <a:ext uri="{91240B29-F687-4f45-9708-019B960494DF}">
-                <a14:hiddenLine xmlns:a14="http://schemas.microsoft.com/office/drawing/2010/main" xmlns="" w="9525">
+                <a14:hiddenLine xmlns="" xmlns:a14="http://schemas.microsoft.com/office/drawing/2010/main" w="9525">
                   <a:solidFill>
                     <a:srgbClr val="000000"/>
                   </a:solidFill>
@@ -1773,7 +1780,7 @@
             </a:ln>
             <a:extLst>
               <a:ext uri="{91240B29-F687-4f45-9708-019B960494DF}">
-                <a14:hiddenLine xmlns:a14="http://schemas.microsoft.com/office/drawing/2010/main" xmlns="" w="9525">
+                <a14:hiddenLine xmlns="" xmlns:a14="http://schemas.microsoft.com/office/drawing/2010/main" w="9525">
                   <a:solidFill>
                     <a:srgbClr val="000000"/>
                   </a:solidFill>
@@ -1863,7 +1870,7 @@
             </a:ln>
             <a:extLst>
               <a:ext uri="{91240B29-F687-4f45-9708-019B960494DF}">
-                <a14:hiddenLine xmlns:a14="http://schemas.microsoft.com/office/drawing/2010/main" xmlns="" w="9525">
+                <a14:hiddenLine xmlns="" xmlns:a14="http://schemas.microsoft.com/office/drawing/2010/main" w="9525">
                   <a:solidFill>
                     <a:srgbClr val="000000"/>
                   </a:solidFill>
@@ -1919,7 +1926,7 @@
             </a:ln>
             <a:extLst>
               <a:ext uri="{91240B29-F687-4f45-9708-019B960494DF}">
-                <a14:hiddenLine xmlns:a14="http://schemas.microsoft.com/office/drawing/2010/main" xmlns="" w="9525">
+                <a14:hiddenLine xmlns="" xmlns:a14="http://schemas.microsoft.com/office/drawing/2010/main" w="9525">
                   <a:solidFill>
                     <a:srgbClr val="000000"/>
                   </a:solidFill>
@@ -2009,7 +2016,7 @@
             </a:ln>
             <a:extLst>
               <a:ext uri="{91240B29-F687-4f45-9708-019B960494DF}">
-                <a14:hiddenLine xmlns:a14="http://schemas.microsoft.com/office/drawing/2010/main" xmlns="" w="9525">
+                <a14:hiddenLine xmlns="" xmlns:a14="http://schemas.microsoft.com/office/drawing/2010/main" w="9525">
                   <a:solidFill>
                     <a:srgbClr val="000000"/>
                   </a:solidFill>
@@ -2077,7 +2084,7 @@
             </a:ln>
             <a:extLst>
               <a:ext uri="{91240B29-F687-4f45-9708-019B960494DF}">
-                <a14:hiddenLine xmlns:a14="http://schemas.microsoft.com/office/drawing/2010/main" xmlns="" w="9525">
+                <a14:hiddenLine xmlns="" xmlns:a14="http://schemas.microsoft.com/office/drawing/2010/main" w="9525">
                   <a:solidFill>
                     <a:srgbClr val="000000"/>
                   </a:solidFill>
@@ -2167,7 +2174,7 @@
             </a:ln>
             <a:extLst>
               <a:ext uri="{91240B29-F687-4f45-9708-019B960494DF}">
-                <a14:hiddenLine xmlns:a14="http://schemas.microsoft.com/office/drawing/2010/main" xmlns="" w="9525">
+                <a14:hiddenLine xmlns="" xmlns:a14="http://schemas.microsoft.com/office/drawing/2010/main" w="9525">
                   <a:solidFill>
                     <a:srgbClr val="000000"/>
                   </a:solidFill>
@@ -2235,7 +2242,7 @@
             </a:ln>
             <a:extLst>
               <a:ext uri="{91240B29-F687-4f45-9708-019B960494DF}">
-                <a14:hiddenLine xmlns:a14="http://schemas.microsoft.com/office/drawing/2010/main" xmlns="" w="9525">
+                <a14:hiddenLine xmlns="" xmlns:a14="http://schemas.microsoft.com/office/drawing/2010/main" w="9525">
                   <a:solidFill>
                     <a:srgbClr val="000000"/>
                   </a:solidFill>
@@ -2325,7 +2332,7 @@
             </a:ln>
             <a:extLst>
               <a:ext uri="{91240B29-F687-4f45-9708-019B960494DF}">
-                <a14:hiddenLine xmlns:a14="http://schemas.microsoft.com/office/drawing/2010/main" xmlns="" w="9525">
+                <a14:hiddenLine xmlns="" xmlns:a14="http://schemas.microsoft.com/office/drawing/2010/main" w="9525">
                   <a:solidFill>
                     <a:srgbClr val="000000"/>
                   </a:solidFill>
@@ -2359,7 +2366,7 @@
             </a:ln>
             <a:extLst>
               <a:ext uri="{91240B29-F687-4f45-9708-019B960494DF}">
-                <a14:hiddenLine xmlns:a14="http://schemas.microsoft.com/office/drawing/2010/main" xmlns="" w="9525">
+                <a14:hiddenLine xmlns="" xmlns:a14="http://schemas.microsoft.com/office/drawing/2010/main" w="9525">
                   <a:solidFill>
                     <a:srgbClr val="000000"/>
                   </a:solidFill>
@@ -2449,7 +2456,7 @@
             </a:ln>
             <a:extLst>
               <a:ext uri="{91240B29-F687-4f45-9708-019B960494DF}">
-                <a14:hiddenLine xmlns:a14="http://schemas.microsoft.com/office/drawing/2010/main" xmlns="" w="9525">
+                <a14:hiddenLine xmlns="" xmlns:a14="http://schemas.microsoft.com/office/drawing/2010/main" w="9525">
                   <a:solidFill>
                     <a:srgbClr val="000000"/>
                   </a:solidFill>
@@ -2511,7 +2518,7 @@
             </a:ln>
             <a:extLst>
               <a:ext uri="{91240B29-F687-4f45-9708-019B960494DF}">
-                <a14:hiddenLine xmlns:a14="http://schemas.microsoft.com/office/drawing/2010/main" xmlns="" w="9525">
+                <a14:hiddenLine xmlns="" xmlns:a14="http://schemas.microsoft.com/office/drawing/2010/main" w="9525">
                   <a:solidFill>
                     <a:srgbClr val="000000"/>
                   </a:solidFill>
@@ -2573,7 +2580,7 @@
             </a:ln>
             <a:extLst>
               <a:ext uri="{91240B29-F687-4f45-9708-019B960494DF}">
-                <a14:hiddenLine xmlns:a14="http://schemas.microsoft.com/office/drawing/2010/main" xmlns="" w="9525">
+                <a14:hiddenLine xmlns="" xmlns:a14="http://schemas.microsoft.com/office/drawing/2010/main" w="9525">
                   <a:solidFill>
                     <a:srgbClr val="000000"/>
                   </a:solidFill>
@@ -2663,7 +2670,7 @@
             </a:ln>
             <a:extLst>
               <a:ext uri="{91240B29-F687-4f45-9708-019B960494DF}">
-                <a14:hiddenLine xmlns:a14="http://schemas.microsoft.com/office/drawing/2010/main" xmlns="" w="9525">
+                <a14:hiddenLine xmlns="" xmlns:a14="http://schemas.microsoft.com/office/drawing/2010/main" w="9525">
                   <a:solidFill>
                     <a:srgbClr val="000000"/>
                   </a:solidFill>
@@ -2731,7 +2738,7 @@
             </a:ln>
             <a:extLst>
               <a:ext uri="{91240B29-F687-4f45-9708-019B960494DF}">
-                <a14:hiddenLine xmlns:a14="http://schemas.microsoft.com/office/drawing/2010/main" xmlns="" w="9525">
+                <a14:hiddenLine xmlns="" xmlns:a14="http://schemas.microsoft.com/office/drawing/2010/main" w="9525">
                   <a:solidFill>
                     <a:srgbClr val="000000"/>
                   </a:solidFill>
@@ -2793,7 +2800,7 @@
             </a:ln>
             <a:extLst>
               <a:ext uri="{91240B29-F687-4f45-9708-019B960494DF}">
-                <a14:hiddenLine xmlns:a14="http://schemas.microsoft.com/office/drawing/2010/main" xmlns="" w="9525">
+                <a14:hiddenLine xmlns="" xmlns:a14="http://schemas.microsoft.com/office/drawing/2010/main" w="9525">
                   <a:solidFill>
                     <a:srgbClr val="000000"/>
                   </a:solidFill>
@@ -2883,7 +2890,7 @@
             </a:ln>
             <a:extLst>
               <a:ext uri="{91240B29-F687-4f45-9708-019B960494DF}">
-                <a14:hiddenLine xmlns:a14="http://schemas.microsoft.com/office/drawing/2010/main" xmlns="" w="9525">
+                <a14:hiddenLine xmlns="" xmlns:a14="http://schemas.microsoft.com/office/drawing/2010/main" w="9525">
                   <a:solidFill>
                     <a:srgbClr val="000000"/>
                   </a:solidFill>
@@ -2945,7 +2952,7 @@
             </a:ln>
             <a:extLst>
               <a:ext uri="{91240B29-F687-4f45-9708-019B960494DF}">
-                <a14:hiddenLine xmlns:a14="http://schemas.microsoft.com/office/drawing/2010/main" xmlns="" w="9525">
+                <a14:hiddenLine xmlns="" xmlns:a14="http://schemas.microsoft.com/office/drawing/2010/main" w="9525">
                   <a:solidFill>
                     <a:srgbClr val="000000"/>
                   </a:solidFill>
@@ -3035,7 +3042,7 @@
             </a:ln>
             <a:extLst>
               <a:ext uri="{91240B29-F687-4f45-9708-019B960494DF}">
-                <a14:hiddenLine xmlns:a14="http://schemas.microsoft.com/office/drawing/2010/main" xmlns="" w="9525">
+                <a14:hiddenLine xmlns="" xmlns:a14="http://schemas.microsoft.com/office/drawing/2010/main" w="9525">
                   <a:solidFill>
                     <a:srgbClr val="000000"/>
                   </a:solidFill>
@@ -3097,7 +3104,7 @@
             </a:ln>
             <a:extLst>
               <a:ext uri="{91240B29-F687-4f45-9708-019B960494DF}">
-                <a14:hiddenLine xmlns:a14="http://schemas.microsoft.com/office/drawing/2010/main" xmlns="" w="9525">
+                <a14:hiddenLine xmlns="" xmlns:a14="http://schemas.microsoft.com/office/drawing/2010/main" w="9525">
                   <a:solidFill>
                     <a:srgbClr val="000000"/>
                   </a:solidFill>
@@ -3187,7 +3194,7 @@
             </a:ln>
             <a:extLst>
               <a:ext uri="{91240B29-F687-4f45-9708-019B960494DF}">
-                <a14:hiddenLine xmlns:a14="http://schemas.microsoft.com/office/drawing/2010/main" xmlns="" w="9525">
+                <a14:hiddenLine xmlns="" xmlns:a14="http://schemas.microsoft.com/office/drawing/2010/main" w="9525">
                   <a:solidFill>
                     <a:srgbClr val="000000"/>
                   </a:solidFill>
@@ -3221,7 +3228,7 @@
             </a:ln>
             <a:extLst>
               <a:ext uri="{91240B29-F687-4f45-9708-019B960494DF}">
-                <a14:hiddenLine xmlns:a14="http://schemas.microsoft.com/office/drawing/2010/main" xmlns="" w="9525">
+                <a14:hiddenLine xmlns="" xmlns:a14="http://schemas.microsoft.com/office/drawing/2010/main" w="9525">
                   <a:solidFill>
                     <a:srgbClr val="000000"/>
                   </a:solidFill>
@@ -3286,7 +3293,7 @@
             </a:ln>
             <a:extLst>
               <a:ext uri="{91240B29-F687-4f45-9708-019B960494DF}">
-                <a14:hiddenLine xmlns:a14="http://schemas.microsoft.com/office/drawing/2010/main" xmlns="" w="9525">
+                <a14:hiddenLine xmlns="" xmlns:a14="http://schemas.microsoft.com/office/drawing/2010/main" w="9525">
                   <a:solidFill>
                     <a:srgbClr val="000000"/>
                   </a:solidFill>
@@ -3376,7 +3383,7 @@
             </a:ln>
             <a:extLst>
               <a:ext uri="{91240B29-F687-4f45-9708-019B960494DF}">
-                <a14:hiddenLine xmlns:a14="http://schemas.microsoft.com/office/drawing/2010/main" xmlns="" w="9525">
+                <a14:hiddenLine xmlns="" xmlns:a14="http://schemas.microsoft.com/office/drawing/2010/main" w="9525">
                   <a:solidFill>
                     <a:srgbClr val="000000"/>
                   </a:solidFill>
@@ -3438,7 +3445,7 @@
             </a:ln>
             <a:extLst>
               <a:ext uri="{91240B29-F687-4f45-9708-019B960494DF}">
-                <a14:hiddenLine xmlns:a14="http://schemas.microsoft.com/office/drawing/2010/main" xmlns="" w="9525">
+                <a14:hiddenLine xmlns="" xmlns:a14="http://schemas.microsoft.com/office/drawing/2010/main" w="9525">
                   <a:solidFill>
                     <a:srgbClr val="000000"/>
                   </a:solidFill>
@@ -3528,7 +3535,7 @@
             </a:ln>
             <a:extLst>
               <a:ext uri="{91240B29-F687-4f45-9708-019B960494DF}">
-                <a14:hiddenLine xmlns:a14="http://schemas.microsoft.com/office/drawing/2010/main" xmlns="" w="9525">
+                <a14:hiddenLine xmlns="" xmlns:a14="http://schemas.microsoft.com/office/drawing/2010/main" w="9525">
                   <a:solidFill>
                     <a:srgbClr val="000000"/>
                   </a:solidFill>
@@ -3618,7 +3625,7 @@
             </a:ln>
             <a:extLst>
               <a:ext uri="{91240B29-F687-4f45-9708-019B960494DF}">
-                <a14:hiddenLine xmlns:a14="http://schemas.microsoft.com/office/drawing/2010/main" xmlns="" w="9525">
+                <a14:hiddenLine xmlns="" xmlns:a14="http://schemas.microsoft.com/office/drawing/2010/main" w="9525">
                   <a:solidFill>
                     <a:srgbClr val="000000"/>
                   </a:solidFill>
@@ -3683,7 +3690,7 @@
             </a:ln>
             <a:extLst>
               <a:ext uri="{91240B29-F687-4f45-9708-019B960494DF}">
-                <a14:hiddenLine xmlns:a14="http://schemas.microsoft.com/office/drawing/2010/main" xmlns="" w="9525">
+                <a14:hiddenLine xmlns="" xmlns:a14="http://schemas.microsoft.com/office/drawing/2010/main" w="9525">
                   <a:solidFill>
                     <a:srgbClr val="000000"/>
                   </a:solidFill>
@@ -3745,7 +3752,7 @@
             </a:ln>
             <a:extLst>
               <a:ext uri="{91240B29-F687-4f45-9708-019B960494DF}">
-                <a14:hiddenLine xmlns:a14="http://schemas.microsoft.com/office/drawing/2010/main" xmlns="" w="9525">
+                <a14:hiddenLine xmlns="" xmlns:a14="http://schemas.microsoft.com/office/drawing/2010/main" w="9525">
                   <a:solidFill>
                     <a:srgbClr val="000000"/>
                   </a:solidFill>
@@ -3835,7 +3842,7 @@
             </a:ln>
             <a:extLst>
               <a:ext uri="{91240B29-F687-4f45-9708-019B960494DF}">
-                <a14:hiddenLine xmlns:a14="http://schemas.microsoft.com/office/drawing/2010/main" xmlns="" w="9525">
+                <a14:hiddenLine xmlns="" xmlns:a14="http://schemas.microsoft.com/office/drawing/2010/main" w="9525">
                   <a:solidFill>
                     <a:srgbClr val="000000"/>
                   </a:solidFill>
@@ -3925,7 +3932,7 @@
             </a:ln>
             <a:extLst>
               <a:ext uri="{91240B29-F687-4f45-9708-019B960494DF}">
-                <a14:hiddenLine xmlns:a14="http://schemas.microsoft.com/office/drawing/2010/main" xmlns="" w="9525">
+                <a14:hiddenLine xmlns="" xmlns:a14="http://schemas.microsoft.com/office/drawing/2010/main" w="9525">
                   <a:solidFill>
                     <a:srgbClr val="000000"/>
                   </a:solidFill>
@@ -3987,7 +3994,7 @@
             </a:ln>
             <a:extLst>
               <a:ext uri="{91240B29-F687-4f45-9708-019B960494DF}">
-                <a14:hiddenLine xmlns:a14="http://schemas.microsoft.com/office/drawing/2010/main" xmlns="" w="9525">
+                <a14:hiddenLine xmlns="" xmlns:a14="http://schemas.microsoft.com/office/drawing/2010/main" w="9525">
                   <a:solidFill>
                     <a:srgbClr val="000000"/>
                   </a:solidFill>
@@ -4107,7 +4114,7 @@
             </a:ln>
             <a:extLst>
               <a:ext uri="{91240B29-F687-4f45-9708-019B960494DF}">
-                <a14:hiddenLine xmlns:a14="http://schemas.microsoft.com/office/drawing/2010/main" xmlns="" w="9525">
+                <a14:hiddenLine xmlns="" xmlns:a14="http://schemas.microsoft.com/office/drawing/2010/main" w="9525">
                   <a:solidFill>
                     <a:srgbClr val="000000"/>
                   </a:solidFill>
@@ -4175,7 +4182,7 @@
             </a:ln>
             <a:extLst>
               <a:ext uri="{91240B29-F687-4f45-9708-019B960494DF}">
-                <a14:hiddenLine xmlns:a14="http://schemas.microsoft.com/office/drawing/2010/main" xmlns="" w="9525">
+                <a14:hiddenLine xmlns="" xmlns:a14="http://schemas.microsoft.com/office/drawing/2010/main" w="9525">
                   <a:solidFill>
                     <a:srgbClr val="000000"/>
                   </a:solidFill>
@@ -4265,7 +4272,7 @@
             </a:ln>
             <a:extLst>
               <a:ext uri="{91240B29-F687-4f45-9708-019B960494DF}">
-                <a14:hiddenLine xmlns:a14="http://schemas.microsoft.com/office/drawing/2010/main" xmlns="" w="9525">
+                <a14:hiddenLine xmlns="" xmlns:a14="http://schemas.microsoft.com/office/drawing/2010/main" w="9525">
                   <a:solidFill>
                     <a:srgbClr val="000000"/>
                   </a:solidFill>
@@ -8994,7 +9001,7 @@
           <a:noFill/>
           <a:extLst>
             <a:ext uri="{909E8E84-426E-40dd-AFC4-6F175D3DCCD1}">
-              <a14:hiddenFill xmlns:a14="http://schemas.microsoft.com/office/drawing/2010/main" xmlns="">
+              <a14:hiddenFill xmlns="" xmlns:a14="http://schemas.microsoft.com/office/drawing/2010/main">
                 <a:solidFill>
                   <a:srgbClr val="FFFFFF"/>
                 </a:solidFill>
@@ -9068,7 +9075,7 @@
               </a:ln>
               <a:extLst>
                 <a:ext uri="{91240B29-F687-4f45-9708-019B960494DF}">
-                  <a14:hiddenLine xmlns:a14="http://schemas.microsoft.com/office/drawing/2010/main" xmlns="" w="9525">
+                  <a14:hiddenLine xmlns="" xmlns:a14="http://schemas.microsoft.com/office/drawing/2010/main" w="9525">
                     <a:solidFill>
                       <a:srgbClr val="000000"/>
                     </a:solidFill>
@@ -9158,7 +9165,7 @@
               </a:ln>
               <a:extLst>
                 <a:ext uri="{91240B29-F687-4f45-9708-019B960494DF}">
-                  <a14:hiddenLine xmlns:a14="http://schemas.microsoft.com/office/drawing/2010/main" xmlns="" w="9525">
+                  <a14:hiddenLine xmlns="" xmlns:a14="http://schemas.microsoft.com/office/drawing/2010/main" w="9525">
                     <a:solidFill>
                       <a:srgbClr val="000000"/>
                     </a:solidFill>
@@ -9248,7 +9255,7 @@
               </a:ln>
               <a:extLst>
                 <a:ext uri="{91240B29-F687-4f45-9708-019B960494DF}">
-                  <a14:hiddenLine xmlns:a14="http://schemas.microsoft.com/office/drawing/2010/main" xmlns="" w="9525">
+                  <a14:hiddenLine xmlns="" xmlns:a14="http://schemas.microsoft.com/office/drawing/2010/main" w="9525">
                     <a:solidFill>
                       <a:srgbClr val="000000"/>
                     </a:solidFill>
@@ -9310,7 +9317,7 @@
               </a:ln>
               <a:extLst>
                 <a:ext uri="{91240B29-F687-4f45-9708-019B960494DF}">
-                  <a14:hiddenLine xmlns:a14="http://schemas.microsoft.com/office/drawing/2010/main" xmlns="" w="9525">
+                  <a14:hiddenLine xmlns="" xmlns:a14="http://schemas.microsoft.com/office/drawing/2010/main" w="9525">
                     <a:solidFill>
                       <a:srgbClr val="000000"/>
                     </a:solidFill>
@@ -9400,7 +9407,7 @@
               </a:ln>
               <a:extLst>
                 <a:ext uri="{91240B29-F687-4f45-9708-019B960494DF}">
-                  <a14:hiddenLine xmlns:a14="http://schemas.microsoft.com/office/drawing/2010/main" xmlns="" w="9525">
+                  <a14:hiddenLine xmlns="" xmlns:a14="http://schemas.microsoft.com/office/drawing/2010/main" w="9525">
                     <a:solidFill>
                       <a:srgbClr val="000000"/>
                     </a:solidFill>
@@ -9462,7 +9469,7 @@
               </a:ln>
               <a:extLst>
                 <a:ext uri="{91240B29-F687-4f45-9708-019B960494DF}">
-                  <a14:hiddenLine xmlns:a14="http://schemas.microsoft.com/office/drawing/2010/main" xmlns="" w="9525">
+                  <a14:hiddenLine xmlns="" xmlns:a14="http://schemas.microsoft.com/office/drawing/2010/main" w="9525">
                     <a:solidFill>
                       <a:srgbClr val="000000"/>
                     </a:solidFill>
@@ -9524,7 +9531,7 @@
               </a:ln>
               <a:extLst>
                 <a:ext uri="{91240B29-F687-4f45-9708-019B960494DF}">
-                  <a14:hiddenLine xmlns:a14="http://schemas.microsoft.com/office/drawing/2010/main" xmlns="" w="9525">
+                  <a14:hiddenLine xmlns="" xmlns:a14="http://schemas.microsoft.com/office/drawing/2010/main" w="9525">
                     <a:solidFill>
                       <a:srgbClr val="000000"/>
                     </a:solidFill>
@@ -9614,7 +9621,7 @@
               </a:ln>
               <a:extLst>
                 <a:ext uri="{91240B29-F687-4f45-9708-019B960494DF}">
-                  <a14:hiddenLine xmlns:a14="http://schemas.microsoft.com/office/drawing/2010/main" xmlns="" w="9525">
+                  <a14:hiddenLine xmlns="" xmlns:a14="http://schemas.microsoft.com/office/drawing/2010/main" w="9525">
                     <a:solidFill>
                       <a:srgbClr val="000000"/>
                     </a:solidFill>
@@ -9704,7 +9711,7 @@
               </a:ln>
               <a:extLst>
                 <a:ext uri="{91240B29-F687-4f45-9708-019B960494DF}">
-                  <a14:hiddenLine xmlns:a14="http://schemas.microsoft.com/office/drawing/2010/main" xmlns="" w="9525">
+                  <a14:hiddenLine xmlns="" xmlns:a14="http://schemas.microsoft.com/office/drawing/2010/main" w="9525">
                     <a:solidFill>
                       <a:srgbClr val="000000"/>
                     </a:solidFill>
@@ -9766,7 +9773,7 @@
               </a:ln>
               <a:extLst>
                 <a:ext uri="{91240B29-F687-4f45-9708-019B960494DF}">
-                  <a14:hiddenLine xmlns:a14="http://schemas.microsoft.com/office/drawing/2010/main" xmlns="" w="9525">
+                  <a14:hiddenLine xmlns="" xmlns:a14="http://schemas.microsoft.com/office/drawing/2010/main" w="9525">
                     <a:solidFill>
                       <a:srgbClr val="000000"/>
                     </a:solidFill>
@@ -9876,7 +9883,7 @@
               </a:ln>
               <a:extLst>
                 <a:ext uri="{91240B29-F687-4f45-9708-019B960494DF}">
-                  <a14:hiddenLine xmlns:a14="http://schemas.microsoft.com/office/drawing/2010/main" xmlns="" w="9525">
+                  <a14:hiddenLine xmlns="" xmlns:a14="http://schemas.microsoft.com/office/drawing/2010/main" w="9525">
                     <a:solidFill>
                       <a:srgbClr val="000000"/>
                     </a:solidFill>
@@ -9960,7 +9967,7 @@
               </a:ln>
               <a:extLst>
                 <a:ext uri="{91240B29-F687-4f45-9708-019B960494DF}">
-                  <a14:hiddenLine xmlns:a14="http://schemas.microsoft.com/office/drawing/2010/main" xmlns="" w="9525">
+                  <a14:hiddenLine xmlns="" xmlns:a14="http://schemas.microsoft.com/office/drawing/2010/main" w="9525">
                     <a:solidFill>
                       <a:srgbClr val="000000"/>
                     </a:solidFill>
@@ -10022,7 +10029,7 @@
               </a:ln>
               <a:extLst>
                 <a:ext uri="{91240B29-F687-4f45-9708-019B960494DF}">
-                  <a14:hiddenLine xmlns:a14="http://schemas.microsoft.com/office/drawing/2010/main" xmlns="" w="9525">
+                  <a14:hiddenLine xmlns="" xmlns:a14="http://schemas.microsoft.com/office/drawing/2010/main" w="9525">
                     <a:solidFill>
                       <a:srgbClr val="000000"/>
                     </a:solidFill>
@@ -10084,7 +10091,7 @@
               </a:ln>
               <a:extLst>
                 <a:ext uri="{91240B29-F687-4f45-9708-019B960494DF}">
-                  <a14:hiddenLine xmlns:a14="http://schemas.microsoft.com/office/drawing/2010/main" xmlns="" w="9525">
+                  <a14:hiddenLine xmlns="" xmlns:a14="http://schemas.microsoft.com/office/drawing/2010/main" w="9525">
                     <a:solidFill>
                       <a:srgbClr val="000000"/>
                     </a:solidFill>
@@ -10174,7 +10181,7 @@
               </a:ln>
               <a:extLst>
                 <a:ext uri="{91240B29-F687-4f45-9708-019B960494DF}">
-                  <a14:hiddenLine xmlns:a14="http://schemas.microsoft.com/office/drawing/2010/main" xmlns="" w="9525">
+                  <a14:hiddenLine xmlns="" xmlns:a14="http://schemas.microsoft.com/office/drawing/2010/main" w="9525">
                     <a:solidFill>
                       <a:srgbClr val="000000"/>
                     </a:solidFill>
@@ -10208,7 +10215,7 @@
               </a:ln>
               <a:extLst>
                 <a:ext uri="{91240B29-F687-4f45-9708-019B960494DF}">
-                  <a14:hiddenLine xmlns:a14="http://schemas.microsoft.com/office/drawing/2010/main" xmlns="" w="9525">
+                  <a14:hiddenLine xmlns="" xmlns:a14="http://schemas.microsoft.com/office/drawing/2010/main" w="9525">
                     <a:solidFill>
                       <a:srgbClr val="000000"/>
                     </a:solidFill>
@@ -10273,7 +10280,7 @@
               </a:ln>
               <a:extLst>
                 <a:ext uri="{91240B29-F687-4f45-9708-019B960494DF}">
-                  <a14:hiddenLine xmlns:a14="http://schemas.microsoft.com/office/drawing/2010/main" xmlns="" w="9525">
+                  <a14:hiddenLine xmlns="" xmlns:a14="http://schemas.microsoft.com/office/drawing/2010/main" w="9525">
                     <a:solidFill>
                       <a:srgbClr val="000000"/>
                     </a:solidFill>
@@ -10363,7 +10370,7 @@
               </a:ln>
               <a:extLst>
                 <a:ext uri="{91240B29-F687-4f45-9708-019B960494DF}">
-                  <a14:hiddenLine xmlns:a14="http://schemas.microsoft.com/office/drawing/2010/main" xmlns="" w="9525">
+                  <a14:hiddenLine xmlns="" xmlns:a14="http://schemas.microsoft.com/office/drawing/2010/main" w="9525">
                     <a:solidFill>
                       <a:srgbClr val="000000"/>
                     </a:solidFill>
@@ -10425,7 +10432,7 @@
               </a:ln>
               <a:extLst>
                 <a:ext uri="{91240B29-F687-4f45-9708-019B960494DF}">
-                  <a14:hiddenLine xmlns:a14="http://schemas.microsoft.com/office/drawing/2010/main" xmlns="" w="9525">
+                  <a14:hiddenLine xmlns="" xmlns:a14="http://schemas.microsoft.com/office/drawing/2010/main" w="9525">
                     <a:solidFill>
                       <a:srgbClr val="000000"/>
                     </a:solidFill>
@@ -10515,7 +10522,7 @@
               </a:ln>
               <a:extLst>
                 <a:ext uri="{91240B29-F687-4f45-9708-019B960494DF}">
-                  <a14:hiddenLine xmlns:a14="http://schemas.microsoft.com/office/drawing/2010/main" xmlns="" w="9525">
+                  <a14:hiddenLine xmlns="" xmlns:a14="http://schemas.microsoft.com/office/drawing/2010/main" w="9525">
                     <a:solidFill>
                       <a:srgbClr val="000000"/>
                     </a:solidFill>
@@ -10580,7 +10587,7 @@
               </a:ln>
               <a:extLst>
                 <a:ext uri="{91240B29-F687-4f45-9708-019B960494DF}">
-                  <a14:hiddenLine xmlns:a14="http://schemas.microsoft.com/office/drawing/2010/main" xmlns="" w="9525">
+                  <a14:hiddenLine xmlns="" xmlns:a14="http://schemas.microsoft.com/office/drawing/2010/main" w="9525">
                     <a:solidFill>
                       <a:srgbClr val="000000"/>
                     </a:solidFill>
@@ -10642,7 +10649,7 @@
               </a:ln>
               <a:extLst>
                 <a:ext uri="{91240B29-F687-4f45-9708-019B960494DF}">
-                  <a14:hiddenLine xmlns:a14="http://schemas.microsoft.com/office/drawing/2010/main" xmlns="" w="9525">
+                  <a14:hiddenLine xmlns="" xmlns:a14="http://schemas.microsoft.com/office/drawing/2010/main" w="9525">
                     <a:solidFill>
                       <a:srgbClr val="000000"/>
                     </a:solidFill>
@@ -10732,7 +10739,7 @@
               </a:ln>
               <a:extLst>
                 <a:ext uri="{91240B29-F687-4f45-9708-019B960494DF}">
-                  <a14:hiddenLine xmlns:a14="http://schemas.microsoft.com/office/drawing/2010/main" xmlns="" w="9525">
+                  <a14:hiddenLine xmlns="" xmlns:a14="http://schemas.microsoft.com/office/drawing/2010/main" w="9525">
                     <a:solidFill>
                       <a:srgbClr val="000000"/>
                     </a:solidFill>
@@ -10822,7 +10829,7 @@
               </a:ln>
               <a:extLst>
                 <a:ext uri="{91240B29-F687-4f45-9708-019B960494DF}">
-                  <a14:hiddenLine xmlns:a14="http://schemas.microsoft.com/office/drawing/2010/main" xmlns="" w="9525">
+                  <a14:hiddenLine xmlns="" xmlns:a14="http://schemas.microsoft.com/office/drawing/2010/main" w="9525">
                     <a:solidFill>
                       <a:srgbClr val="000000"/>
                     </a:solidFill>
@@ -10887,7 +10894,7 @@
               </a:ln>
               <a:extLst>
                 <a:ext uri="{91240B29-F687-4f45-9708-019B960494DF}">
-                  <a14:hiddenLine xmlns:a14="http://schemas.microsoft.com/office/drawing/2010/main" xmlns="" w="9525">
+                  <a14:hiddenLine xmlns="" xmlns:a14="http://schemas.microsoft.com/office/drawing/2010/main" w="9525">
                     <a:solidFill>
                       <a:srgbClr val="000000"/>
                     </a:solidFill>
@@ -11007,7 +11014,7 @@
               </a:ln>
               <a:extLst>
                 <a:ext uri="{91240B29-F687-4f45-9708-019B960494DF}">
-                  <a14:hiddenLine xmlns:a14="http://schemas.microsoft.com/office/drawing/2010/main" xmlns="" w="9525">
+                  <a14:hiddenLine xmlns="" xmlns:a14="http://schemas.microsoft.com/office/drawing/2010/main" w="9525">
                     <a:solidFill>
                       <a:srgbClr val="000000"/>
                     </a:solidFill>
@@ -11088,7 +11095,7 @@
               </a:ln>
               <a:extLst>
                 <a:ext uri="{91240B29-F687-4f45-9708-019B960494DF}">
-                  <a14:hiddenLine xmlns:a14="http://schemas.microsoft.com/office/drawing/2010/main" xmlns="" w="9525">
+                  <a14:hiddenLine xmlns="" xmlns:a14="http://schemas.microsoft.com/office/drawing/2010/main" w="9525">
                     <a:solidFill>
                       <a:srgbClr val="000000"/>
                     </a:solidFill>
@@ -11203,7 +11210,7 @@
               </a:ln>
               <a:extLst>
                 <a:ext uri="{91240B29-F687-4f45-9708-019B960494DF}">
-                  <a14:hiddenLine xmlns:a14="http://schemas.microsoft.com/office/drawing/2010/main" xmlns="" w="9525">
+                  <a14:hiddenLine xmlns="" xmlns:a14="http://schemas.microsoft.com/office/drawing/2010/main" w="9525">
                     <a:solidFill>
                       <a:srgbClr val="000000"/>
                     </a:solidFill>
@@ -11293,7 +11300,7 @@
               </a:ln>
               <a:extLst>
                 <a:ext uri="{91240B29-F687-4f45-9708-019B960494DF}">
-                  <a14:hiddenLine xmlns:a14="http://schemas.microsoft.com/office/drawing/2010/main" xmlns="" w="9525">
+                  <a14:hiddenLine xmlns="" xmlns:a14="http://schemas.microsoft.com/office/drawing/2010/main" w="9525">
                     <a:solidFill>
                       <a:srgbClr val="000000"/>
                     </a:solidFill>
@@ -11358,7 +11365,7 @@
               </a:ln>
               <a:extLst>
                 <a:ext uri="{91240B29-F687-4f45-9708-019B960494DF}">
-                  <a14:hiddenLine xmlns:a14="http://schemas.microsoft.com/office/drawing/2010/main" xmlns="" w="9525">
+                  <a14:hiddenLine xmlns="" xmlns:a14="http://schemas.microsoft.com/office/drawing/2010/main" w="9525">
                     <a:solidFill>
                       <a:srgbClr val="000000"/>
                     </a:solidFill>
@@ -11448,7 +11455,7 @@
               </a:ln>
               <a:extLst>
                 <a:ext uri="{91240B29-F687-4f45-9708-019B960494DF}">
-                  <a14:hiddenLine xmlns:a14="http://schemas.microsoft.com/office/drawing/2010/main" xmlns="" w="9525">
+                  <a14:hiddenLine xmlns="" xmlns:a14="http://schemas.microsoft.com/office/drawing/2010/main" w="9525">
                     <a:solidFill>
                       <a:srgbClr val="000000"/>
                     </a:solidFill>
@@ -11516,7 +11523,7 @@
               </a:ln>
               <a:extLst>
                 <a:ext uri="{91240B29-F687-4f45-9708-019B960494DF}">
-                  <a14:hiddenLine xmlns:a14="http://schemas.microsoft.com/office/drawing/2010/main" xmlns="" w="9525">
+                  <a14:hiddenLine xmlns="" xmlns:a14="http://schemas.microsoft.com/office/drawing/2010/main" w="9525">
                     <a:solidFill>
                       <a:srgbClr val="000000"/>
                     </a:solidFill>
@@ -11606,7 +11613,7 @@
               </a:ln>
               <a:extLst>
                 <a:ext uri="{91240B29-F687-4f45-9708-019B960494DF}">
-                  <a14:hiddenLine xmlns:a14="http://schemas.microsoft.com/office/drawing/2010/main" xmlns="" w="9525">
+                  <a14:hiddenLine xmlns="" xmlns:a14="http://schemas.microsoft.com/office/drawing/2010/main" w="9525">
                     <a:solidFill>
                       <a:srgbClr val="000000"/>
                     </a:solidFill>
@@ -11674,7 +11681,7 @@
               </a:ln>
               <a:extLst>
                 <a:ext uri="{91240B29-F687-4f45-9708-019B960494DF}">
-                  <a14:hiddenLine xmlns:a14="http://schemas.microsoft.com/office/drawing/2010/main" xmlns="" w="9525">
+                  <a14:hiddenLine xmlns="" xmlns:a14="http://schemas.microsoft.com/office/drawing/2010/main" w="9525">
                     <a:solidFill>
                       <a:srgbClr val="000000"/>
                     </a:solidFill>
@@ -11764,7 +11771,7 @@
               </a:ln>
               <a:extLst>
                 <a:ext uri="{91240B29-F687-4f45-9708-019B960494DF}">
-                  <a14:hiddenLine xmlns:a14="http://schemas.microsoft.com/office/drawing/2010/main" xmlns="" w="9525">
+                  <a14:hiddenLine xmlns="" xmlns:a14="http://schemas.microsoft.com/office/drawing/2010/main" w="9525">
                     <a:solidFill>
                       <a:srgbClr val="000000"/>
                     </a:solidFill>
@@ -11798,7 +11805,7 @@
               </a:ln>
               <a:extLst>
                 <a:ext uri="{91240B29-F687-4f45-9708-019B960494DF}">
-                  <a14:hiddenLine xmlns:a14="http://schemas.microsoft.com/office/drawing/2010/main" xmlns="" w="9525">
+                  <a14:hiddenLine xmlns="" xmlns:a14="http://schemas.microsoft.com/office/drawing/2010/main" w="9525">
                     <a:solidFill>
                       <a:srgbClr val="000000"/>
                     </a:solidFill>
@@ -12595,6 +12602,215 @@
           <p:cNvPr id="2" name="Título 1">
             <a:extLst>
               <a:ext uri="{FF2B5EF4-FFF2-40B4-BE49-F238E27FC236}">
+                <a16:creationId xmlns:a16="http://schemas.microsoft.com/office/drawing/2014/main" id="{88AF68C1-9F3E-34B0-11E5-4CDDA7D252A1}"/>
+              </a:ext>
+            </a:extLst>
+          </p:cNvPr>
+          <p:cNvSpPr>
+            <a:spLocks noGrp="1"/>
+          </p:cNvSpPr>
+          <p:nvPr>
+            <p:ph type="title"/>
+          </p:nvPr>
+        </p:nvSpPr>
+        <p:spPr/>
+        <p:txBody>
+          <a:bodyPr/>
+          <a:lstStyle/>
+          <a:p>
+            <a:r>
+              <a:rPr lang="pt-BR" dirty="0"/>
+              <a:t>Cardinalidade</a:t>
+            </a:r>
+          </a:p>
+        </p:txBody>
+      </p:sp>
+      <p:sp>
+        <p:nvSpPr>
+          <p:cNvPr id="3" name="Espaço Reservado para Conteúdo 2">
+            <a:extLst>
+              <a:ext uri="{FF2B5EF4-FFF2-40B4-BE49-F238E27FC236}">
+                <a16:creationId xmlns:a16="http://schemas.microsoft.com/office/drawing/2014/main" id="{78AC32E4-A657-1F75-B3BF-784D9490D824}"/>
+              </a:ext>
+            </a:extLst>
+          </p:cNvPr>
+          <p:cNvSpPr>
+            <a:spLocks noGrp="1"/>
+          </p:cNvSpPr>
+          <p:nvPr>
+            <p:ph idx="1"/>
+          </p:nvPr>
+        </p:nvSpPr>
+        <p:spPr/>
+        <p:txBody>
+          <a:bodyPr/>
+          <a:lstStyle/>
+          <a:p>
+            <a:r>
+              <a:rPr lang="pt-BR" dirty="0"/>
+              <a:t>A cardinalidade especifica o número de instâncias de uma entidade que podem, ou devem, estar associadas a uma instância de outra entidade. Ela é expressa em termos de mínimo e máximo (por exemplo, 0:1, 1, etc.).</a:t>
+            </a:r>
+          </a:p>
+        </p:txBody>
+      </p:sp>
+    </p:spTree>
+    <p:extLst>
+      <p:ext uri="{BB962C8B-B14F-4D97-AF65-F5344CB8AC3E}">
+        <p14:creationId xmlns:p14="http://schemas.microsoft.com/office/powerpoint/2010/main" val="1924773459"/>
+      </p:ext>
+    </p:extLst>
+  </p:cSld>
+  <p:clrMapOvr>
+    <a:masterClrMapping/>
+  </p:clrMapOvr>
+</p:sld>
+</file>
+
+<file path=ppt/slides/slide12.xml><?xml version="1.0" encoding="utf-8"?>
+<p:sld xmlns:a="http://schemas.openxmlformats.org/drawingml/2006/main" xmlns:r="http://schemas.openxmlformats.org/officeDocument/2006/relationships" xmlns:p="http://schemas.openxmlformats.org/presentationml/2006/main">
+  <p:cSld>
+    <p:spTree>
+      <p:nvGrpSpPr>
+        <p:cNvPr id="1" name=""/>
+        <p:cNvGrpSpPr/>
+        <p:nvPr/>
+      </p:nvGrpSpPr>
+      <p:grpSpPr>
+        <a:xfrm>
+          <a:off x="0" y="0"/>
+          <a:ext cx="0" cy="0"/>
+          <a:chOff x="0" y="0"/>
+          <a:chExt cx="0" cy="0"/>
+        </a:xfrm>
+      </p:grpSpPr>
+      <p:sp>
+        <p:nvSpPr>
+          <p:cNvPr id="2" name="Título 1">
+            <a:extLst>
+              <a:ext uri="{FF2B5EF4-FFF2-40B4-BE49-F238E27FC236}">
+                <a16:creationId xmlns:a16="http://schemas.microsoft.com/office/drawing/2014/main" id="{5CC34A50-8B1D-E6E6-FD60-80CF456860CD}"/>
+              </a:ext>
+            </a:extLst>
+          </p:cNvPr>
+          <p:cNvSpPr>
+            <a:spLocks noGrp="1"/>
+          </p:cNvSpPr>
+          <p:nvPr>
+            <p:ph type="title"/>
+          </p:nvPr>
+        </p:nvSpPr>
+        <p:spPr/>
+        <p:txBody>
+          <a:bodyPr/>
+          <a:lstStyle/>
+          <a:p>
+            <a:endParaRPr lang="pt-BR"/>
+          </a:p>
+        </p:txBody>
+      </p:sp>
+      <p:sp>
+        <p:nvSpPr>
+          <p:cNvPr id="3" name="Espaço Reservado para Conteúdo 2">
+            <a:extLst>
+              <a:ext uri="{FF2B5EF4-FFF2-40B4-BE49-F238E27FC236}">
+                <a16:creationId xmlns:a16="http://schemas.microsoft.com/office/drawing/2014/main" id="{60C68933-C60B-D8D7-3B9D-13A05D34778F}"/>
+              </a:ext>
+            </a:extLst>
+          </p:cNvPr>
+          <p:cNvSpPr>
+            <a:spLocks noGrp="1"/>
+          </p:cNvSpPr>
+          <p:nvPr>
+            <p:ph idx="1"/>
+          </p:nvPr>
+        </p:nvSpPr>
+        <p:spPr/>
+        <p:txBody>
+          <a:bodyPr/>
+          <a:lstStyle/>
+          <a:p>
+            <a:r>
+              <a:rPr lang="pt-BR" dirty="0"/>
+              <a:t>1:1: Um para Um (</a:t>
+            </a:r>
+            <a:r>
+              <a:rPr lang="pt-BR" dirty="0" err="1"/>
+              <a:t>ex</a:t>
+            </a:r>
+            <a:r>
+              <a:rPr lang="pt-BR" dirty="0"/>
+              <a:t>: cada pessoa possui um único passaporte).</a:t>
+            </a:r>
+          </a:p>
+          <a:p>
+            <a:r>
+              <a:rPr lang="pt-BR" dirty="0"/>
+              <a:t>1: N :  Um para Muitos (</a:t>
+            </a:r>
+            <a:r>
+              <a:rPr lang="pt-BR" dirty="0" err="1"/>
+              <a:t>ex</a:t>
+            </a:r>
+            <a:r>
+              <a:rPr lang="pt-BR" dirty="0"/>
+              <a:t>: um autor pode escrever vários livros).</a:t>
+            </a:r>
+          </a:p>
+          <a:p>
+            <a:r>
+              <a:rPr lang="pt-BR"/>
+              <a:t>N : N: </a:t>
+            </a:r>
+            <a:r>
+              <a:rPr lang="pt-BR" dirty="0"/>
+              <a:t>Muitos para Muitos (</a:t>
+            </a:r>
+            <a:r>
+              <a:rPr lang="pt-BR" dirty="0" err="1"/>
+              <a:t>ex</a:t>
+            </a:r>
+            <a:r>
+              <a:rPr lang="pt-BR" dirty="0"/>
+              <a:t>: um estudante pode se matricular em vários cursos, e um curso pode ter vários estudantes).</a:t>
+            </a:r>
+          </a:p>
+        </p:txBody>
+      </p:sp>
+    </p:spTree>
+    <p:extLst>
+      <p:ext uri="{BB962C8B-B14F-4D97-AF65-F5344CB8AC3E}">
+        <p14:creationId xmlns:p14="http://schemas.microsoft.com/office/powerpoint/2010/main" val="787337855"/>
+      </p:ext>
+    </p:extLst>
+  </p:cSld>
+  <p:clrMapOvr>
+    <a:masterClrMapping/>
+  </p:clrMapOvr>
+</p:sld>
+</file>
+
+<file path=ppt/slides/slide13.xml><?xml version="1.0" encoding="utf-8"?>
+<p:sld xmlns:a="http://schemas.openxmlformats.org/drawingml/2006/main" xmlns:r="http://schemas.openxmlformats.org/officeDocument/2006/relationships" xmlns:p="http://schemas.openxmlformats.org/presentationml/2006/main">
+  <p:cSld>
+    <p:spTree>
+      <p:nvGrpSpPr>
+        <p:cNvPr id="1" name=""/>
+        <p:cNvGrpSpPr/>
+        <p:nvPr/>
+      </p:nvGrpSpPr>
+      <p:grpSpPr>
+        <a:xfrm>
+          <a:off x="0" y="0"/>
+          <a:ext cx="0" cy="0"/>
+          <a:chOff x="0" y="0"/>
+          <a:chExt cx="0" cy="0"/>
+        </a:xfrm>
+      </p:grpSpPr>
+      <p:sp>
+        <p:nvSpPr>
+          <p:cNvPr id="2" name="Título 1">
+            <a:extLst>
+              <a:ext uri="{FF2B5EF4-FFF2-40B4-BE49-F238E27FC236}">
                 <a16:creationId xmlns:a16="http://schemas.microsoft.com/office/drawing/2014/main" id="{13A8B765-9EDE-69D3-EA2C-B7F72C2261D1}"/>
               </a:ext>
             </a:extLst>
@@ -12720,7 +12936,7 @@
 </p:sld>
 </file>
 
-<file path=ppt/slides/slide12.xml><?xml version="1.0" encoding="utf-8"?>
+<file path=ppt/slides/slide14.xml><?xml version="1.0" encoding="utf-8"?>
 <p:sld xmlns:a="http://schemas.openxmlformats.org/drawingml/2006/main" xmlns:r="http://schemas.openxmlformats.org/officeDocument/2006/relationships" xmlns:p="http://schemas.openxmlformats.org/presentationml/2006/main">
   <p:cSld>
     <p:spTree>
@@ -12797,7 +13013,7 @@
 </p:sld>
 </file>
 
-<file path=ppt/slides/slide13.xml><?xml version="1.0" encoding="utf-8"?>
+<file path=ppt/slides/slide15.xml><?xml version="1.0" encoding="utf-8"?>
 <p:sld xmlns:a="http://schemas.openxmlformats.org/drawingml/2006/main" xmlns:r="http://schemas.openxmlformats.org/officeDocument/2006/relationships" xmlns:p="http://schemas.openxmlformats.org/presentationml/2006/main">
   <p:cSld>
     <p:spTree>
@@ -12930,7 +13146,7 @@
 </p:sld>
 </file>
 
-<file path=ppt/slides/slide14.xml><?xml version="1.0" encoding="utf-8"?>
+<file path=ppt/slides/slide16.xml><?xml version="1.0" encoding="utf-8"?>
 <p:sld xmlns:a="http://schemas.openxmlformats.org/drawingml/2006/main" xmlns:r="http://schemas.openxmlformats.org/officeDocument/2006/relationships" xmlns:p="http://schemas.openxmlformats.org/presentationml/2006/main">
   <p:cSld>
     <p:spTree>
@@ -13034,7 +13250,7 @@
 </p:sld>
 </file>
 
-<file path=ppt/slides/slide15.xml><?xml version="1.0" encoding="utf-8"?>
+<file path=ppt/slides/slide17.xml><?xml version="1.0" encoding="utf-8"?>
 <p:sld xmlns:a="http://schemas.openxmlformats.org/drawingml/2006/main" xmlns:r="http://schemas.openxmlformats.org/officeDocument/2006/relationships" xmlns:p="http://schemas.openxmlformats.org/presentationml/2006/main">
   <p:cSld>
     <p:spTree>
@@ -13111,7 +13327,7 @@
 </p:sld>
 </file>
 
-<file path=ppt/slides/slide16.xml><?xml version="1.0" encoding="utf-8"?>
+<file path=ppt/slides/slide18.xml><?xml version="1.0" encoding="utf-8"?>
 <p:sld xmlns:a="http://schemas.openxmlformats.org/drawingml/2006/main" xmlns:r="http://schemas.openxmlformats.org/officeDocument/2006/relationships" xmlns:p="http://schemas.openxmlformats.org/presentationml/2006/main">
   <p:cSld>
     <p:spTree>
@@ -13214,7 +13430,7 @@
 </p:sld>
 </file>
 
-<file path=ppt/slides/slide17.xml><?xml version="1.0" encoding="utf-8"?>
+<file path=ppt/slides/slide19.xml><?xml version="1.0" encoding="utf-8"?>
 <p:sld xmlns:a="http://schemas.openxmlformats.org/drawingml/2006/main" xmlns:r="http://schemas.openxmlformats.org/officeDocument/2006/relationships" xmlns:p="http://schemas.openxmlformats.org/presentationml/2006/main">
   <p:cSld>
     <p:spTree>
